--- a/2semestre/ICG/project/docs/Slides_Skeleton.pptx
+++ b/2semestre/ICG/project/docs/Slides_Skeleton.pptx
@@ -124,6 +124,193 @@
 </p:presentation>
 </file>
 
+<file path=ppt/revisionInfo.xml><?xml version="1.0" encoding="utf-8"?>
+<p1510:revInfo xmlns:a="http://schemas.openxmlformats.org/drawingml/2006/main" xmlns:r="http://schemas.openxmlformats.org/officeDocument/2006/relationships" xmlns:p1510="http://schemas.microsoft.com/office/powerpoint/2015/10/main">
+  <p1510:revLst>
+    <p1510:client id="{B8FFF8AF-4563-4B10-A0DD-FF77C4350ACA}" v="1" dt="2024-04-21T15:26:47.099"/>
+  </p1510:revLst>
+</p1510:revInfo>
+</file>
+
+<file path=ppt/changesInfos/changesInfo1.xml><?xml version="1.0" encoding="utf-8"?>
+<pc:chgInfo xmlns:a="http://schemas.openxmlformats.org/drawingml/2006/main" xmlns:r="http://schemas.openxmlformats.org/officeDocument/2006/relationships" xmlns:ac="http://schemas.microsoft.com/office/drawing/2013/main/command" xmlns:pc="http://schemas.microsoft.com/office/powerpoint/2013/main/command">
+  <pc:docChgLst>
+    <pc:chgData name="João Gaspar" userId="7dec15aa-df9c-4e56-83fb-de5e1da84347" providerId="ADAL" clId="{B8FFF8AF-4563-4B10-A0DD-FF77C4350ACA}"/>
+    <pc:docChg chg="undo custSel modSld">
+      <pc:chgData name="João Gaspar" userId="7dec15aa-df9c-4e56-83fb-de5e1da84347" providerId="ADAL" clId="{B8FFF8AF-4563-4B10-A0DD-FF77C4350ACA}" dt="2024-04-21T15:28:49.854" v="185" actId="20577"/>
+      <pc:docMkLst>
+        <pc:docMk/>
+      </pc:docMkLst>
+      <pc:sldChg chg="addSp delSp modSp mod modMedia setBg delAnim">
+        <pc:chgData name="João Gaspar" userId="7dec15aa-df9c-4e56-83fb-de5e1da84347" providerId="ADAL" clId="{B8FFF8AF-4563-4B10-A0DD-FF77C4350ACA}" dt="2024-04-21T15:27:23.858" v="51" actId="26606"/>
+        <pc:sldMkLst>
+          <pc:docMk/>
+          <pc:sldMk cId="4202033261" sldId="256"/>
+        </pc:sldMkLst>
+        <pc:spChg chg="mod">
+          <ac:chgData name="João Gaspar" userId="7dec15aa-df9c-4e56-83fb-de5e1da84347" providerId="ADAL" clId="{B8FFF8AF-4563-4B10-A0DD-FF77C4350ACA}" dt="2024-04-21T15:27:23.858" v="51" actId="26606"/>
+          <ac:spMkLst>
+            <pc:docMk/>
+            <pc:sldMk cId="4202033261" sldId="256"/>
+            <ac:spMk id="2" creationId="{D88944CE-65E2-282D-054B-101CEE226DDD}"/>
+          </ac:spMkLst>
+        </pc:spChg>
+        <pc:spChg chg="mod">
+          <ac:chgData name="João Gaspar" userId="7dec15aa-df9c-4e56-83fb-de5e1da84347" providerId="ADAL" clId="{B8FFF8AF-4563-4B10-A0DD-FF77C4350ACA}" dt="2024-04-21T15:27:23.858" v="51" actId="26606"/>
+          <ac:spMkLst>
+            <pc:docMk/>
+            <pc:sldMk cId="4202033261" sldId="256"/>
+            <ac:spMk id="3" creationId="{7558EDDC-59F9-82DB-AC8D-FADD282C0232}"/>
+          </ac:spMkLst>
+        </pc:spChg>
+        <pc:spChg chg="mod">
+          <ac:chgData name="João Gaspar" userId="7dec15aa-df9c-4e56-83fb-de5e1da84347" providerId="ADAL" clId="{B8FFF8AF-4563-4B10-A0DD-FF77C4350ACA}" dt="2024-04-21T15:27:23.858" v="51" actId="26606"/>
+          <ac:spMkLst>
+            <pc:docMk/>
+            <pc:sldMk cId="4202033261" sldId="256"/>
+            <ac:spMk id="4" creationId="{51921409-2F16-8E6A-0FA4-9DA6A5D95230}"/>
+          </ac:spMkLst>
+        </pc:spChg>
+        <pc:spChg chg="mod">
+          <ac:chgData name="João Gaspar" userId="7dec15aa-df9c-4e56-83fb-de5e1da84347" providerId="ADAL" clId="{B8FFF8AF-4563-4B10-A0DD-FF77C4350ACA}" dt="2024-04-21T15:27:23.858" v="51" actId="26606"/>
+          <ac:spMkLst>
+            <pc:docMk/>
+            <pc:sldMk cId="4202033261" sldId="256"/>
+            <ac:spMk id="5" creationId="{34E9C846-0417-B26F-1E2B-784ECEEFF9ED}"/>
+          </ac:spMkLst>
+        </pc:spChg>
+        <pc:spChg chg="add del">
+          <ac:chgData name="João Gaspar" userId="7dec15aa-df9c-4e56-83fb-de5e1da84347" providerId="ADAL" clId="{B8FFF8AF-4563-4B10-A0DD-FF77C4350ACA}" dt="2024-04-21T15:27:06.091" v="45" actId="26606"/>
+          <ac:spMkLst>
+            <pc:docMk/>
+            <pc:sldMk cId="4202033261" sldId="256"/>
+            <ac:spMk id="11" creationId="{C1DD1A8A-57D5-4A81-AD04-532B043C5611}"/>
+          </ac:spMkLst>
+        </pc:spChg>
+        <pc:spChg chg="add del">
+          <ac:chgData name="João Gaspar" userId="7dec15aa-df9c-4e56-83fb-de5e1da84347" providerId="ADAL" clId="{B8FFF8AF-4563-4B10-A0DD-FF77C4350ACA}" dt="2024-04-21T15:27:06.091" v="45" actId="26606"/>
+          <ac:spMkLst>
+            <pc:docMk/>
+            <pc:sldMk cId="4202033261" sldId="256"/>
+            <ac:spMk id="13" creationId="{007891EC-4501-44ED-A8C8-B11B6DB767AB}"/>
+          </ac:spMkLst>
+        </pc:spChg>
+        <pc:spChg chg="add del">
+          <ac:chgData name="João Gaspar" userId="7dec15aa-df9c-4e56-83fb-de5e1da84347" providerId="ADAL" clId="{B8FFF8AF-4563-4B10-A0DD-FF77C4350ACA}" dt="2024-04-21T15:27:06.797" v="47" actId="26606"/>
+          <ac:spMkLst>
+            <pc:docMk/>
+            <pc:sldMk cId="4202033261" sldId="256"/>
+            <ac:spMk id="15" creationId="{AF2F604E-43BE-4DC3-B983-E071523364F8}"/>
+          </ac:spMkLst>
+        </pc:spChg>
+        <pc:spChg chg="add del">
+          <ac:chgData name="João Gaspar" userId="7dec15aa-df9c-4e56-83fb-de5e1da84347" providerId="ADAL" clId="{B8FFF8AF-4563-4B10-A0DD-FF77C4350ACA}" dt="2024-04-21T15:27:06.797" v="47" actId="26606"/>
+          <ac:spMkLst>
+            <pc:docMk/>
+            <pc:sldMk cId="4202033261" sldId="256"/>
+            <ac:spMk id="16" creationId="{0671A8AE-40A1-4631-A6B8-581AFF065482}"/>
+          </ac:spMkLst>
+        </pc:spChg>
+        <pc:spChg chg="add del">
+          <ac:chgData name="João Gaspar" userId="7dec15aa-df9c-4e56-83fb-de5e1da84347" providerId="ADAL" clId="{B8FFF8AF-4563-4B10-A0DD-FF77C4350ACA}" dt="2024-04-21T15:27:06.797" v="47" actId="26606"/>
+          <ac:spMkLst>
+            <pc:docMk/>
+            <pc:sldMk cId="4202033261" sldId="256"/>
+            <ac:spMk id="17" creationId="{08C9B587-E65E-4B52-B37C-ABEBB6E87928}"/>
+          </ac:spMkLst>
+        </pc:spChg>
+        <pc:spChg chg="add del">
+          <ac:chgData name="João Gaspar" userId="7dec15aa-df9c-4e56-83fb-de5e1da84347" providerId="ADAL" clId="{B8FFF8AF-4563-4B10-A0DD-FF77C4350ACA}" dt="2024-04-21T15:27:06.797" v="47" actId="26606"/>
+          <ac:spMkLst>
+            <pc:docMk/>
+            <pc:sldMk cId="4202033261" sldId="256"/>
+            <ac:spMk id="19" creationId="{AB58EF07-17C2-48CF-ABB0-EEF1F17CB8F0}"/>
+          </ac:spMkLst>
+        </pc:spChg>
+        <pc:spChg chg="add del">
+          <ac:chgData name="João Gaspar" userId="7dec15aa-df9c-4e56-83fb-de5e1da84347" providerId="ADAL" clId="{B8FFF8AF-4563-4B10-A0DD-FF77C4350ACA}" dt="2024-04-21T15:27:23.858" v="51" actId="26606"/>
+          <ac:spMkLst>
+            <pc:docMk/>
+            <pc:sldMk cId="4202033261" sldId="256"/>
+            <ac:spMk id="21" creationId="{C1DD1A8A-57D5-4A81-AD04-532B043C5611}"/>
+          </ac:spMkLst>
+        </pc:spChg>
+        <pc:spChg chg="add del">
+          <ac:chgData name="João Gaspar" userId="7dec15aa-df9c-4e56-83fb-de5e1da84347" providerId="ADAL" clId="{B8FFF8AF-4563-4B10-A0DD-FF77C4350ACA}" dt="2024-04-21T15:27:23.858" v="51" actId="26606"/>
+          <ac:spMkLst>
+            <pc:docMk/>
+            <pc:sldMk cId="4202033261" sldId="256"/>
+            <ac:spMk id="23" creationId="{007891EC-4501-44ED-A8C8-B11B6DB767AB}"/>
+          </ac:spMkLst>
+        </pc:spChg>
+        <pc:picChg chg="add del">
+          <ac:chgData name="João Gaspar" userId="7dec15aa-df9c-4e56-83fb-de5e1da84347" providerId="ADAL" clId="{B8FFF8AF-4563-4B10-A0DD-FF77C4350ACA}" dt="2024-04-21T15:27:06.091" v="45" actId="26606"/>
+          <ac:picMkLst>
+            <pc:docMk/>
+            <pc:sldMk cId="4202033261" sldId="256"/>
+            <ac:picMk id="7" creationId="{E04EE675-5025-576B-0A38-592A309A3EAD}"/>
+          </ac:picMkLst>
+        </pc:picChg>
+        <pc:picChg chg="add del">
+          <ac:chgData name="João Gaspar" userId="7dec15aa-df9c-4e56-83fb-de5e1da84347" providerId="ADAL" clId="{B8FFF8AF-4563-4B10-A0DD-FF77C4350ACA}" dt="2024-04-21T15:27:06.797" v="47" actId="26606"/>
+          <ac:picMkLst>
+            <pc:docMk/>
+            <pc:sldMk cId="4202033261" sldId="256"/>
+            <ac:picMk id="18" creationId="{72DCC5E7-AA4C-41DF-BC2C-648B86556A63}"/>
+          </ac:picMkLst>
+        </pc:picChg>
+        <pc:picChg chg="add del mod">
+          <ac:chgData name="João Gaspar" userId="7dec15aa-df9c-4e56-83fb-de5e1da84347" providerId="ADAL" clId="{B8FFF8AF-4563-4B10-A0DD-FF77C4350ACA}" dt="2024-04-21T15:27:23.858" v="51" actId="26606"/>
+          <ac:picMkLst>
+            <pc:docMk/>
+            <pc:sldMk cId="4202033261" sldId="256"/>
+            <ac:picMk id="22" creationId="{0F344D8A-E7DA-5640-9805-A82B8FD47298}"/>
+          </ac:picMkLst>
+        </pc:picChg>
+      </pc:sldChg>
+      <pc:sldChg chg="addSp delSp modSp mod">
+        <pc:chgData name="João Gaspar" userId="7dec15aa-df9c-4e56-83fb-de5e1da84347" providerId="ADAL" clId="{B8FFF8AF-4563-4B10-A0DD-FF77C4350ACA}" dt="2024-04-21T15:26:47.099" v="43"/>
+        <pc:sldMkLst>
+          <pc:docMk/>
+          <pc:sldMk cId="3190298846" sldId="257"/>
+        </pc:sldMkLst>
+        <pc:spChg chg="del">
+          <ac:chgData name="João Gaspar" userId="7dec15aa-df9c-4e56-83fb-de5e1da84347" providerId="ADAL" clId="{B8FFF8AF-4563-4B10-A0DD-FF77C4350ACA}" dt="2024-04-21T15:26:46.710" v="42" actId="478"/>
+          <ac:spMkLst>
+            <pc:docMk/>
+            <pc:sldMk cId="3190298846" sldId="257"/>
+            <ac:spMk id="4" creationId="{8FA0387A-F9C7-FD4D-4AD2-19395D4C0DFC}"/>
+          </ac:spMkLst>
+        </pc:spChg>
+        <pc:spChg chg="add mod">
+          <ac:chgData name="João Gaspar" userId="7dec15aa-df9c-4e56-83fb-de5e1da84347" providerId="ADAL" clId="{B8FFF8AF-4563-4B10-A0DD-FF77C4350ACA}" dt="2024-04-21T15:26:47.099" v="43"/>
+          <ac:spMkLst>
+            <pc:docMk/>
+            <pc:sldMk cId="3190298846" sldId="257"/>
+            <ac:spMk id="6" creationId="{5D06981F-3CC6-BEED-655A-47BEBF52B2ED}"/>
+          </ac:spMkLst>
+        </pc:spChg>
+      </pc:sldChg>
+      <pc:sldChg chg="modSp mod">
+        <pc:chgData name="João Gaspar" userId="7dec15aa-df9c-4e56-83fb-de5e1da84347" providerId="ADAL" clId="{B8FFF8AF-4563-4B10-A0DD-FF77C4350ACA}" dt="2024-04-21T15:28:49.854" v="185" actId="20577"/>
+        <pc:sldMkLst>
+          <pc:docMk/>
+          <pc:sldMk cId="2453939418" sldId="258"/>
+        </pc:sldMkLst>
+        <pc:spChg chg="mod">
+          <ac:chgData name="João Gaspar" userId="7dec15aa-df9c-4e56-83fb-de5e1da84347" providerId="ADAL" clId="{B8FFF8AF-4563-4B10-A0DD-FF77C4350ACA}" dt="2024-04-21T15:28:49.854" v="185" actId="20577"/>
+          <ac:spMkLst>
+            <pc:docMk/>
+            <pc:sldMk cId="2453939418" sldId="258"/>
+            <ac:spMk id="3" creationId="{69CEDF8A-2D7C-1EDC-03F2-EE94899FD802}"/>
+          </ac:spMkLst>
+        </pc:spChg>
+      </pc:sldChg>
+    </pc:docChg>
+  </pc:docChgLst>
+</pc:chgInfo>
+</file>
+
 <file path=ppt/notesMasters/notesMaster1.xml><?xml version="1.0" encoding="utf-8"?>
 <p:notesMaster xmlns:a="http://schemas.openxmlformats.org/drawingml/2006/main" xmlns:r="http://schemas.openxmlformats.org/officeDocument/2006/relationships" xmlns:p="http://schemas.openxmlformats.org/presentationml/2006/main">
   <p:cSld>
@@ -206,7 +393,7 @@
           <a:p>
             <a:fld id="{AB38FD77-722C-49E2-AEB2-4580223DE7D4}" type="datetimeFigureOut">
               <a:rPr lang="pt-PT" smtClean="0"/>
-              <a:t>15/05/2022</a:t>
+              <a:t>21/04/2024</a:t>
             </a:fld>
             <a:endParaRPr lang="pt-PT"/>
           </a:p>
@@ -3698,12 +3885,8 @@
           <a:lstStyle/>
           <a:p>
             <a:r>
-              <a:rPr lang="pt-PT" dirty="0"/>
-              <a:t>Project </a:t>
-            </a:r>
-            <a:r>
-              <a:rPr lang="pt-PT" dirty="0" err="1"/>
-              <a:t>Title</a:t>
+              <a:rPr lang="pt-PT"/>
+              <a:t>Véu das Sombras</a:t>
             </a:r>
             <a:endParaRPr lang="pt-PT" dirty="0"/>
           </a:p>
@@ -3732,87 +3915,52 @@
           </a:bodyPr>
           <a:lstStyle/>
           <a:p>
+            <a:endParaRPr lang="pt-PT"/>
+          </a:p>
+          <a:p>
+            <a:r>
+              <a:rPr lang="pt-PT"/>
+              <a:t>João Gaspar, 107708</a:t>
+            </a:r>
+          </a:p>
+          <a:p>
+            <a:endParaRPr lang="pt-PT"/>
+          </a:p>
+          <a:p>
+            <a:r>
+              <a:rPr lang="pt-PT"/>
+              <a:t>Introduction to Computer Graphics – 2023/2024 – Project 1</a:t>
+            </a:r>
             <a:endParaRPr lang="pt-PT" dirty="0"/>
           </a:p>
-          <a:p>
-            <a:r>
-              <a:rPr lang="pt-PT" dirty="0" err="1"/>
-              <a:t>Student</a:t>
-            </a:r>
-            <a:r>
-              <a:rPr lang="pt-PT" dirty="0"/>
-              <a:t> </a:t>
-            </a:r>
-            <a:r>
-              <a:rPr lang="pt-PT" dirty="0" err="1"/>
-              <a:t>name</a:t>
-            </a:r>
-            <a:r>
-              <a:rPr lang="pt-PT" dirty="0"/>
-              <a:t> + </a:t>
-            </a:r>
-            <a:r>
-              <a:rPr lang="pt-PT" dirty="0" err="1"/>
-              <a:t>number</a:t>
+        </p:txBody>
+      </p:sp>
+      <p:sp>
+        <p:nvSpPr>
+          <p:cNvPr id="4" name="Marcador de Posição da Data 3">
+            <a:extLst>
+              <a:ext uri="{FF2B5EF4-FFF2-40B4-BE49-F238E27FC236}">
+                <a16:creationId xmlns:a16="http://schemas.microsoft.com/office/drawing/2014/main" id="{51921409-2F16-8E6A-0FA4-9DA6A5D95230}"/>
+              </a:ext>
+            </a:extLst>
+          </p:cNvPr>
+          <p:cNvSpPr>
+            <a:spLocks noGrp="1"/>
+          </p:cNvSpPr>
+          <p:nvPr>
+            <p:ph type="dt" sz="half" idx="10"/>
+          </p:nvPr>
+        </p:nvSpPr>
+        <p:spPr/>
+        <p:txBody>
+          <a:bodyPr/>
+          <a:lstStyle/>
+          <a:p>
+            <a:r>
+              <a:rPr lang="pt-PT"/>
+              <a:t>ICG - 2023/2024 - Project 1</a:t>
             </a:r>
             <a:endParaRPr lang="pt-PT" dirty="0"/>
-          </a:p>
-          <a:p>
-            <a:endParaRPr lang="pt-PT" dirty="0"/>
-          </a:p>
-          <a:p>
-            <a:r>
-              <a:rPr lang="pt-PT" dirty="0" err="1"/>
-              <a:t>Introduction</a:t>
-            </a:r>
-            <a:r>
-              <a:rPr lang="pt-PT" dirty="0"/>
-              <a:t> to </a:t>
-            </a:r>
-            <a:r>
-              <a:rPr lang="pt-PT" dirty="0" err="1"/>
-              <a:t>Computer</a:t>
-            </a:r>
-            <a:r>
-              <a:rPr lang="pt-PT" dirty="0"/>
-              <a:t> </a:t>
-            </a:r>
-            <a:r>
-              <a:rPr lang="pt-PT" dirty="0" err="1"/>
-              <a:t>Graphics</a:t>
-            </a:r>
-            <a:r>
-              <a:rPr lang="pt-PT" dirty="0"/>
-              <a:t> – 2021/2022 – Project 1</a:t>
-            </a:r>
-          </a:p>
-        </p:txBody>
-      </p:sp>
-      <p:sp>
-        <p:nvSpPr>
-          <p:cNvPr id="4" name="Marcador de Posição da Data 3">
-            <a:extLst>
-              <a:ext uri="{FF2B5EF4-FFF2-40B4-BE49-F238E27FC236}">
-                <a16:creationId xmlns:a16="http://schemas.microsoft.com/office/drawing/2014/main" id="{51921409-2F16-8E6A-0FA4-9DA6A5D95230}"/>
-              </a:ext>
-            </a:extLst>
-          </p:cNvPr>
-          <p:cNvSpPr>
-            <a:spLocks noGrp="1"/>
-          </p:cNvSpPr>
-          <p:nvPr>
-            <p:ph type="dt" sz="half" idx="10"/>
-          </p:nvPr>
-        </p:nvSpPr>
-        <p:spPr/>
-        <p:txBody>
-          <a:bodyPr/>
-          <a:lstStyle/>
-          <a:p>
-            <a:r>
-              <a:rPr lang="pt-PT"/>
-              <a:t>ICG - 2021/2022 - Project 1</a:t>
-            </a:r>
           </a:p>
         </p:txBody>
       </p:sp>
@@ -4526,34 +4674,6 @@
       </p:sp>
       <p:sp>
         <p:nvSpPr>
-          <p:cNvPr id="4" name="Marcador de Posição da Data 3">
-            <a:extLst>
-              <a:ext uri="{FF2B5EF4-FFF2-40B4-BE49-F238E27FC236}">
-                <a16:creationId xmlns:a16="http://schemas.microsoft.com/office/drawing/2014/main" id="{8FA0387A-F9C7-FD4D-4AD2-19395D4C0DFC}"/>
-              </a:ext>
-            </a:extLst>
-          </p:cNvPr>
-          <p:cNvSpPr>
-            <a:spLocks noGrp="1"/>
-          </p:cNvSpPr>
-          <p:nvPr>
-            <p:ph type="dt" sz="half" idx="10"/>
-          </p:nvPr>
-        </p:nvSpPr>
-        <p:spPr/>
-        <p:txBody>
-          <a:bodyPr/>
-          <a:lstStyle/>
-          <a:p>
-            <a:r>
-              <a:rPr lang="pt-PT"/>
-              <a:t>ICG - 2021/2022 - Project 1</a:t>
-            </a:r>
-          </a:p>
-        </p:txBody>
-      </p:sp>
-      <p:sp>
-        <p:nvSpPr>
           <p:cNvPr id="5" name="Marcador de Posição do Número do Diapositivo 4">
             <a:extLst>
               <a:ext uri="{FF2B5EF4-FFF2-40B4-BE49-F238E27FC236}">
@@ -4578,6 +4698,39 @@
               <a:t>2</a:t>
             </a:fld>
             <a:endParaRPr lang="pt-PT"/>
+          </a:p>
+        </p:txBody>
+      </p:sp>
+      <p:sp>
+        <p:nvSpPr>
+          <p:cNvPr id="6" name="Marcador de Posição da Data 3">
+            <a:extLst>
+              <a:ext uri="{FF2B5EF4-FFF2-40B4-BE49-F238E27FC236}">
+                <a16:creationId xmlns:a16="http://schemas.microsoft.com/office/drawing/2014/main" id="{5D06981F-3CC6-BEED-655A-47BEBF52B2ED}"/>
+              </a:ext>
+            </a:extLst>
+          </p:cNvPr>
+          <p:cNvSpPr>
+            <a:spLocks noGrp="1"/>
+          </p:cNvSpPr>
+          <p:nvPr>
+            <p:ph type="dt" sz="half" idx="10"/>
+          </p:nvPr>
+        </p:nvSpPr>
+        <p:spPr>
+          <a:xfrm>
+            <a:off x="838200" y="6356350"/>
+            <a:ext cx="2743200" cy="365125"/>
+          </a:xfrm>
+        </p:spPr>
+        <p:txBody>
+          <a:bodyPr/>
+          <a:lstStyle/>
+          <a:p>
+            <a:r>
+              <a:rPr lang="pt-PT" dirty="0"/>
+              <a:t>ICG - 2023/2024 - Project 1</a:t>
+            </a:r>
           </a:p>
         </p:txBody>
       </p:sp>
@@ -4670,70 +4823,8 @@
           <a:lstStyle/>
           <a:p>
             <a:r>
-              <a:rPr lang="pt-PT" dirty="0" err="1"/>
-              <a:t>What</a:t>
-            </a:r>
-            <a:r>
-              <a:rPr lang="pt-PT" dirty="0"/>
-              <a:t> </a:t>
-            </a:r>
-            <a:r>
-              <a:rPr lang="pt-PT" dirty="0" err="1"/>
-              <a:t>is</a:t>
-            </a:r>
-            <a:r>
-              <a:rPr lang="pt-PT" dirty="0"/>
-              <a:t> </a:t>
-            </a:r>
-            <a:r>
-              <a:rPr lang="pt-PT" dirty="0" err="1"/>
-              <a:t>your</a:t>
-            </a:r>
-            <a:r>
-              <a:rPr lang="pt-PT" dirty="0"/>
-              <a:t> </a:t>
-            </a:r>
-            <a:r>
-              <a:rPr lang="pt-PT" dirty="0" err="1"/>
-              <a:t>project</a:t>
-            </a:r>
-            <a:r>
-              <a:rPr lang="pt-PT" dirty="0"/>
-              <a:t> </a:t>
-            </a:r>
-            <a:r>
-              <a:rPr lang="pt-PT" dirty="0" err="1"/>
-              <a:t>about</a:t>
-            </a:r>
-            <a:r>
-              <a:rPr lang="pt-PT" dirty="0"/>
-              <a:t>?</a:t>
-            </a:r>
-          </a:p>
-          <a:p>
-            <a:r>
-              <a:rPr lang="pt-PT" dirty="0" err="1"/>
-              <a:t>What</a:t>
-            </a:r>
-            <a:r>
-              <a:rPr lang="pt-PT" dirty="0"/>
-              <a:t> can </a:t>
-            </a:r>
-            <a:r>
-              <a:rPr lang="pt-PT" dirty="0" err="1"/>
-              <a:t>the</a:t>
-            </a:r>
-            <a:r>
-              <a:rPr lang="pt-PT" dirty="0"/>
-              <a:t> </a:t>
-            </a:r>
-            <a:r>
-              <a:rPr lang="pt-PT" dirty="0" err="1"/>
-              <a:t>user</a:t>
-            </a:r>
-            <a:r>
-              <a:rPr lang="pt-PT" dirty="0"/>
-              <a:t> do?</a:t>
+              <a:rPr lang="pt-PT" dirty="0"/>
+              <a:t>Ilha fictícia;</a:t>
             </a:r>
           </a:p>
           <a:p>
@@ -4742,64 +4833,26 @@
           <a:p>
             <a:r>
               <a:rPr lang="pt-PT" dirty="0"/>
-              <a:t>Are </a:t>
-            </a:r>
-            <a:r>
-              <a:rPr lang="pt-PT" dirty="0" err="1"/>
-              <a:t>you</a:t>
-            </a:r>
-            <a:r>
-              <a:rPr lang="pt-PT" dirty="0"/>
-              <a:t> </a:t>
-            </a:r>
-            <a:r>
-              <a:rPr lang="pt-PT" dirty="0" err="1"/>
-              <a:t>using</a:t>
-            </a:r>
-            <a:r>
-              <a:rPr lang="pt-PT" dirty="0"/>
-              <a:t> </a:t>
-            </a:r>
-            <a:r>
-              <a:rPr lang="pt-PT" dirty="0" err="1"/>
-              <a:t>just</a:t>
-            </a:r>
-            <a:r>
-              <a:rPr lang="pt-PT" dirty="0"/>
-              <a:t> </a:t>
-            </a:r>
-            <a:r>
-              <a:rPr lang="pt-PT" dirty="0" err="1"/>
-              <a:t>the</a:t>
-            </a:r>
-            <a:r>
-              <a:rPr lang="pt-PT" dirty="0"/>
-              <a:t> basic three.js </a:t>
-            </a:r>
-            <a:r>
-              <a:rPr lang="pt-PT" dirty="0" err="1"/>
-              <a:t>or</a:t>
-            </a:r>
-            <a:r>
-              <a:rPr lang="pt-PT" dirty="0"/>
-              <a:t> </a:t>
-            </a:r>
-            <a:r>
-              <a:rPr lang="pt-PT" dirty="0" err="1"/>
-              <a:t>also</a:t>
-            </a:r>
-            <a:r>
-              <a:rPr lang="pt-PT" dirty="0"/>
-              <a:t> </a:t>
-            </a:r>
-            <a:r>
-              <a:rPr lang="pt-PT" dirty="0" err="1"/>
-              <a:t>additional</a:t>
-            </a:r>
-            <a:r>
-              <a:rPr lang="pt-PT" dirty="0"/>
-              <a:t> modules?</a:t>
-            </a:r>
+              <a:t>O utilizador poderá movimentar-se pela ilha encontrando desafios;</a:t>
+            </a:r>
+          </a:p>
+          <a:p>
+            <a:endParaRPr lang="pt-PT" dirty="0"/>
+          </a:p>
+          <a:p>
+            <a:r>
+              <a:rPr lang="pt-PT" dirty="0"/>
+              <a:t>Faz uso do </a:t>
+            </a:r>
+            <a:r>
+              <a:rPr lang="pt-PT" dirty="0" err="1"/>
+              <a:t>blender</a:t>
+            </a:r>
+            <a:r>
+              <a:rPr lang="pt-PT"/>
+              <a:t>;</a:t>
+            </a:r>
+            <a:endParaRPr lang="pt-PT" dirty="0"/>
           </a:p>
           <a:p>
             <a:endParaRPr lang="pt-PT" dirty="0"/>

--- a/2semestre/ICG/project/docs/Slides_Skeleton.pptx
+++ b/2semestre/ICG/project/docs/Slides_Skeleton.pptx
@@ -127,7 +127,7 @@
 <file path=ppt/revisionInfo.xml><?xml version="1.0" encoding="utf-8"?>
 <p1510:revInfo xmlns:a="http://schemas.openxmlformats.org/drawingml/2006/main" xmlns:r="http://schemas.openxmlformats.org/officeDocument/2006/relationships" xmlns:p1510="http://schemas.microsoft.com/office/powerpoint/2015/10/main">
   <p1510:revLst>
-    <p1510:client id="{B8FFF8AF-4563-4B10-A0DD-FF77C4350ACA}" v="1" dt="2024-04-21T15:26:47.099"/>
+    <p1510:client id="{B8FFF8AF-4563-4B10-A0DD-FF77C4350ACA}" v="2" dt="2024-04-21T22:37:45.603"/>
   </p1510:revLst>
 </p1510:revInfo>
 </file>
@@ -137,18 +137,18 @@
   <pc:docChgLst>
     <pc:chgData name="João Gaspar" userId="7dec15aa-df9c-4e56-83fb-de5e1da84347" providerId="ADAL" clId="{B8FFF8AF-4563-4B10-A0DD-FF77C4350ACA}"/>
     <pc:docChg chg="undo custSel modSld">
-      <pc:chgData name="João Gaspar" userId="7dec15aa-df9c-4e56-83fb-de5e1da84347" providerId="ADAL" clId="{B8FFF8AF-4563-4B10-A0DD-FF77C4350ACA}" dt="2024-04-21T15:28:49.854" v="185" actId="20577"/>
+      <pc:chgData name="João Gaspar" userId="7dec15aa-df9c-4e56-83fb-de5e1da84347" providerId="ADAL" clId="{B8FFF8AF-4563-4B10-A0DD-FF77C4350ACA}" dt="2024-04-21T22:42:52.212" v="587" actId="20577"/>
       <pc:docMkLst>
         <pc:docMk/>
       </pc:docMkLst>
       <pc:sldChg chg="addSp delSp modSp mod modMedia setBg delAnim">
-        <pc:chgData name="João Gaspar" userId="7dec15aa-df9c-4e56-83fb-de5e1da84347" providerId="ADAL" clId="{B8FFF8AF-4563-4B10-A0DD-FF77C4350ACA}" dt="2024-04-21T15:27:23.858" v="51" actId="26606"/>
+        <pc:chgData name="João Gaspar" userId="7dec15aa-df9c-4e56-83fb-de5e1da84347" providerId="ADAL" clId="{B8FFF8AF-4563-4B10-A0DD-FF77C4350ACA}" dt="2024-04-21T22:35:51.190" v="202" actId="20577"/>
         <pc:sldMkLst>
           <pc:docMk/>
           <pc:sldMk cId="4202033261" sldId="256"/>
         </pc:sldMkLst>
         <pc:spChg chg="mod">
-          <ac:chgData name="João Gaspar" userId="7dec15aa-df9c-4e56-83fb-de5e1da84347" providerId="ADAL" clId="{B8FFF8AF-4563-4B10-A0DD-FF77C4350ACA}" dt="2024-04-21T15:27:23.858" v="51" actId="26606"/>
+          <ac:chgData name="João Gaspar" userId="7dec15aa-df9c-4e56-83fb-de5e1da84347" providerId="ADAL" clId="{B8FFF8AF-4563-4B10-A0DD-FF77C4350ACA}" dt="2024-04-21T22:35:51.190" v="202" actId="20577"/>
           <ac:spMkLst>
             <pc:docMk/>
             <pc:sldMk cId="4202033261" sldId="256"/>
@@ -292,17 +292,92 @@
         </pc:spChg>
       </pc:sldChg>
       <pc:sldChg chg="modSp mod">
-        <pc:chgData name="João Gaspar" userId="7dec15aa-df9c-4e56-83fb-de5e1da84347" providerId="ADAL" clId="{B8FFF8AF-4563-4B10-A0DD-FF77C4350ACA}" dt="2024-04-21T15:28:49.854" v="185" actId="20577"/>
+        <pc:chgData name="João Gaspar" userId="7dec15aa-df9c-4e56-83fb-de5e1da84347" providerId="ADAL" clId="{B8FFF8AF-4563-4B10-A0DD-FF77C4350ACA}" dt="2024-04-21T22:36:12.222" v="211"/>
         <pc:sldMkLst>
           <pc:docMk/>
           <pc:sldMk cId="2453939418" sldId="258"/>
         </pc:sldMkLst>
         <pc:spChg chg="mod">
-          <ac:chgData name="João Gaspar" userId="7dec15aa-df9c-4e56-83fb-de5e1da84347" providerId="ADAL" clId="{B8FFF8AF-4563-4B10-A0DD-FF77C4350ACA}" dt="2024-04-21T15:28:49.854" v="185" actId="20577"/>
+          <ac:chgData name="João Gaspar" userId="7dec15aa-df9c-4e56-83fb-de5e1da84347" providerId="ADAL" clId="{B8FFF8AF-4563-4B10-A0DD-FF77C4350ACA}" dt="2024-04-21T22:36:12.222" v="211"/>
           <ac:spMkLst>
             <pc:docMk/>
             <pc:sldMk cId="2453939418" sldId="258"/>
             <ac:spMk id="3" creationId="{69CEDF8A-2D7C-1EDC-03F2-EE94899FD802}"/>
+          </ac:spMkLst>
+        </pc:spChg>
+      </pc:sldChg>
+      <pc:sldChg chg="modSp mod">
+        <pc:chgData name="João Gaspar" userId="7dec15aa-df9c-4e56-83fb-de5e1da84347" providerId="ADAL" clId="{B8FFF8AF-4563-4B10-A0DD-FF77C4350ACA}" dt="2024-04-21T22:38:46.457" v="418" actId="20577"/>
+        <pc:sldMkLst>
+          <pc:docMk/>
+          <pc:sldMk cId="1111987917" sldId="259"/>
+        </pc:sldMkLst>
+        <pc:spChg chg="mod">
+          <ac:chgData name="João Gaspar" userId="7dec15aa-df9c-4e56-83fb-de5e1da84347" providerId="ADAL" clId="{B8FFF8AF-4563-4B10-A0DD-FF77C4350ACA}" dt="2024-04-21T22:38:46.457" v="418" actId="20577"/>
+          <ac:spMkLst>
+            <pc:docMk/>
+            <pc:sldMk cId="1111987917" sldId="259"/>
+            <ac:spMk id="3" creationId="{340F0F31-346D-0EB3-59C5-A11D190BB3CE}"/>
+          </ac:spMkLst>
+        </pc:spChg>
+      </pc:sldChg>
+      <pc:sldChg chg="modSp mod">
+        <pc:chgData name="João Gaspar" userId="7dec15aa-df9c-4e56-83fb-de5e1da84347" providerId="ADAL" clId="{B8FFF8AF-4563-4B10-A0DD-FF77C4350ACA}" dt="2024-04-21T22:38:50.759" v="419" actId="20577"/>
+        <pc:sldMkLst>
+          <pc:docMk/>
+          <pc:sldMk cId="1623836021" sldId="260"/>
+        </pc:sldMkLst>
+        <pc:spChg chg="mod">
+          <ac:chgData name="João Gaspar" userId="7dec15aa-df9c-4e56-83fb-de5e1da84347" providerId="ADAL" clId="{B8FFF8AF-4563-4B10-A0DD-FF77C4350ACA}" dt="2024-04-21T22:38:50.759" v="419" actId="20577"/>
+          <ac:spMkLst>
+            <pc:docMk/>
+            <pc:sldMk cId="1623836021" sldId="260"/>
+            <ac:spMk id="3" creationId="{101CFC4D-8A21-E6F7-817A-F16C73908F00}"/>
+          </ac:spMkLst>
+        </pc:spChg>
+      </pc:sldChg>
+      <pc:sldChg chg="modSp mod">
+        <pc:chgData name="João Gaspar" userId="7dec15aa-df9c-4e56-83fb-de5e1da84347" providerId="ADAL" clId="{B8FFF8AF-4563-4B10-A0DD-FF77C4350ACA}" dt="2024-04-21T22:40:40.534" v="513" actId="20577"/>
+        <pc:sldMkLst>
+          <pc:docMk/>
+          <pc:sldMk cId="2569888114" sldId="261"/>
+        </pc:sldMkLst>
+        <pc:spChg chg="mod">
+          <ac:chgData name="João Gaspar" userId="7dec15aa-df9c-4e56-83fb-de5e1da84347" providerId="ADAL" clId="{B8FFF8AF-4563-4B10-A0DD-FF77C4350ACA}" dt="2024-04-21T22:40:40.534" v="513" actId="20577"/>
+          <ac:spMkLst>
+            <pc:docMk/>
+            <pc:sldMk cId="2569888114" sldId="261"/>
+            <ac:spMk id="3" creationId="{C63E7569-D78E-A980-42C5-E03FCBCB4FAE}"/>
+          </ac:spMkLst>
+        </pc:spChg>
+      </pc:sldChg>
+      <pc:sldChg chg="modSp mod">
+        <pc:chgData name="João Gaspar" userId="7dec15aa-df9c-4e56-83fb-de5e1da84347" providerId="ADAL" clId="{B8FFF8AF-4563-4B10-A0DD-FF77C4350ACA}" dt="2024-04-21T22:41:29.021" v="532" actId="20577"/>
+        <pc:sldMkLst>
+          <pc:docMk/>
+          <pc:sldMk cId="567565778" sldId="262"/>
+        </pc:sldMkLst>
+        <pc:spChg chg="mod">
+          <ac:chgData name="João Gaspar" userId="7dec15aa-df9c-4e56-83fb-de5e1da84347" providerId="ADAL" clId="{B8FFF8AF-4563-4B10-A0DD-FF77C4350ACA}" dt="2024-04-21T22:41:29.021" v="532" actId="20577"/>
+          <ac:spMkLst>
+            <pc:docMk/>
+            <pc:sldMk cId="567565778" sldId="262"/>
+            <ac:spMk id="3" creationId="{02672098-09A7-756F-7E43-F974D6424264}"/>
+          </ac:spMkLst>
+        </pc:spChg>
+      </pc:sldChg>
+      <pc:sldChg chg="modSp mod">
+        <pc:chgData name="João Gaspar" userId="7dec15aa-df9c-4e56-83fb-de5e1da84347" providerId="ADAL" clId="{B8FFF8AF-4563-4B10-A0DD-FF77C4350ACA}" dt="2024-04-21T22:42:52.212" v="587" actId="20577"/>
+        <pc:sldMkLst>
+          <pc:docMk/>
+          <pc:sldMk cId="2832385390" sldId="263"/>
+        </pc:sldMkLst>
+        <pc:spChg chg="mod">
+          <ac:chgData name="João Gaspar" userId="7dec15aa-df9c-4e56-83fb-de5e1da84347" providerId="ADAL" clId="{B8FFF8AF-4563-4B10-A0DD-FF77C4350ACA}" dt="2024-04-21T22:42:52.212" v="587" actId="20577"/>
+          <ac:spMkLst>
+            <pc:docMk/>
+            <pc:sldMk cId="2832385390" sldId="263"/>
+            <ac:spMk id="3" creationId="{C25F349C-DF7A-76B3-539A-D9AC348B7850}"/>
           </ac:spMkLst>
         </pc:spChg>
       </pc:sldChg>
@@ -3885,8 +3960,12 @@
           <a:lstStyle/>
           <a:p>
             <a:r>
-              <a:rPr lang="pt-PT"/>
-              <a:t>Véu das Sombras</a:t>
+              <a:rPr lang="pt-PT" dirty="0"/>
+              <a:t>Medieval </a:t>
+            </a:r>
+            <a:r>
+              <a:rPr lang="pt-PT" dirty="0" err="1"/>
+              <a:t>Fantasy</a:t>
             </a:r>
             <a:endParaRPr lang="pt-PT" dirty="0"/>
           </a:p>
@@ -4833,7 +4912,7 @@
           <a:p>
             <a:r>
               <a:rPr lang="pt-PT" dirty="0"/>
-              <a:t>O utilizador poderá movimentar-se pela ilha encontrando desafios;</a:t>
+              <a:t>O utilizador poderá movimentar-se pela ilha encontrando inimigos;</a:t>
             </a:r>
           </a:p>
           <a:p>
@@ -4849,51 +4928,41 @@
               <a:t>blender</a:t>
             </a:r>
             <a:r>
-              <a:rPr lang="pt-PT"/>
+              <a:rPr lang="pt-PT" dirty="0"/>
               <a:t>;</a:t>
             </a:r>
+          </a:p>
+          <a:p>
             <a:endParaRPr lang="pt-PT" dirty="0"/>
           </a:p>
           <a:p>
-            <a:endParaRPr lang="pt-PT" dirty="0"/>
-          </a:p>
-          <a:p>
-            <a:r>
-              <a:rPr lang="pt-PT" dirty="0"/>
-              <a:t>URL – </a:t>
-            </a:r>
-            <a:r>
-              <a:rPr lang="pt-PT" dirty="0" err="1"/>
-              <a:t>where</a:t>
-            </a:r>
-            <a:r>
-              <a:rPr lang="pt-PT" dirty="0"/>
-              <a:t> </a:t>
-            </a:r>
-            <a:r>
-              <a:rPr lang="pt-PT" dirty="0" err="1"/>
-              <a:t>is</a:t>
-            </a:r>
-            <a:r>
-              <a:rPr lang="pt-PT" dirty="0"/>
-              <a:t> </a:t>
-            </a:r>
-            <a:r>
-              <a:rPr lang="pt-PT" dirty="0" err="1"/>
-              <a:t>your</a:t>
-            </a:r>
-            <a:r>
-              <a:rPr lang="pt-PT" dirty="0"/>
-              <a:t> </a:t>
-            </a:r>
-            <a:r>
-              <a:rPr lang="pt-PT" dirty="0" err="1"/>
-              <a:t>project</a:t>
-            </a:r>
-            <a:r>
-              <a:rPr lang="pt-PT" dirty="0"/>
-              <a:t>?</a:t>
-            </a:r>
+            <a:pPr algn="just">
+              <a:lnSpc>
+                <a:spcPct val="107000"/>
+              </a:lnSpc>
+              <a:spcAft>
+                <a:spcPts val="800"/>
+              </a:spcAft>
+            </a:pPr>
+            <a:r>
+              <a:rPr lang="pt-PT" sz="1800" u="sng" kern="100" dirty="0">
+                <a:solidFill>
+                  <a:srgbClr val="467886"/>
+                </a:solidFill>
+                <a:effectLst/>
+                <a:latin typeface="Aptos" panose="020B0004020202020204" pitchFamily="34" charset="0"/>
+                <a:ea typeface="Aptos" panose="020B0004020202020204" pitchFamily="34" charset="0"/>
+                <a:cs typeface="Times New Roman" panose="02020603050405020304" pitchFamily="18" charset="0"/>
+                <a:hlinkClick r:id="rId2"/>
+              </a:rPr>
+              <a:t>https://joaogasparp.github.io</a:t>
+            </a:r>
+            <a:endParaRPr lang="pt-PT" sz="1800" kern="100" dirty="0">
+              <a:effectLst/>
+              <a:latin typeface="Aptos" panose="020B0004020202020204" pitchFamily="34" charset="0"/>
+              <a:ea typeface="Aptos" panose="020B0004020202020204" pitchFamily="34" charset="0"/>
+              <a:cs typeface="Times New Roman" panose="02020603050405020304" pitchFamily="18" charset="0"/>
+            </a:endParaRPr>
           </a:p>
         </p:txBody>
       </p:sp>
@@ -5068,7 +5137,7 @@
           <a:p>
             <a:r>
               <a:rPr lang="pt-PT" dirty="0" err="1"/>
-              <a:t>What</a:t>
+              <a:t>Grass</a:t>
             </a:r>
             <a:r>
               <a:rPr lang="pt-PT" dirty="0"/>
@@ -5080,73 +5149,92 @@
             </a:r>
             <a:r>
               <a:rPr lang="pt-PT" dirty="0"/>
-              <a:t> do </a:t>
-            </a:r>
-            <a:r>
-              <a:rPr lang="pt-PT" dirty="0" err="1"/>
-              <a:t>you</a:t>
-            </a:r>
-            <a:r>
-              <a:rPr lang="pt-PT" dirty="0"/>
-              <a:t> </a:t>
-            </a:r>
-            <a:r>
-              <a:rPr lang="pt-PT" dirty="0" err="1"/>
-              <a:t>have</a:t>
-            </a:r>
-            <a:r>
-              <a:rPr lang="pt-PT" dirty="0"/>
-              <a:t>?</a:t>
-            </a:r>
-          </a:p>
-          <a:p>
-            <a:r>
-              <a:rPr lang="pt-PT" dirty="0" err="1"/>
-              <a:t>How</a:t>
-            </a:r>
-            <a:r>
-              <a:rPr lang="pt-PT" dirty="0"/>
-              <a:t> </a:t>
-            </a:r>
-            <a:r>
-              <a:rPr lang="pt-PT" dirty="0" err="1"/>
-              <a:t>is</a:t>
-            </a:r>
-            <a:r>
-              <a:rPr lang="pt-PT" dirty="0"/>
-              <a:t> </a:t>
-            </a:r>
-            <a:r>
-              <a:rPr lang="pt-PT" dirty="0" err="1"/>
-              <a:t>the</a:t>
-            </a:r>
-            <a:r>
-              <a:rPr lang="pt-PT" dirty="0"/>
-              <a:t> </a:t>
-            </a:r>
-            <a:r>
-              <a:rPr lang="pt-PT" dirty="0" err="1"/>
-              <a:t>scene</a:t>
-            </a:r>
-            <a:r>
-              <a:rPr lang="pt-PT" dirty="0"/>
-              <a:t> </a:t>
-            </a:r>
-            <a:r>
-              <a:rPr lang="pt-PT" dirty="0" err="1"/>
-              <a:t>graph</a:t>
-            </a:r>
-            <a:r>
-              <a:rPr lang="pt-PT" dirty="0"/>
-              <a:t> </a:t>
-            </a:r>
-            <a:r>
-              <a:rPr lang="pt-PT" dirty="0" err="1"/>
-              <a:t>organized</a:t>
-            </a:r>
-            <a:r>
-              <a:rPr lang="pt-PT" dirty="0"/>
-              <a:t>?</a:t>
+              <a:t>, Tree </a:t>
+            </a:r>
+            <a:r>
+              <a:rPr lang="pt-PT" dirty="0" err="1"/>
+              <a:t>models</a:t>
+            </a:r>
+            <a:r>
+              <a:rPr lang="pt-PT" dirty="0"/>
+              <a:t>, House model;</a:t>
+            </a:r>
+          </a:p>
+          <a:p>
+            <a:endParaRPr lang="pt-PT" dirty="0"/>
+          </a:p>
+          <a:p>
+            <a:r>
+              <a:rPr lang="pt-PT" dirty="0" err="1"/>
+              <a:t>Root</a:t>
+            </a:r>
+            <a:r>
+              <a:rPr lang="pt-PT" dirty="0"/>
+              <a:t> Node (‘</a:t>
+            </a:r>
+            <a:r>
+              <a:rPr lang="pt-PT" dirty="0" err="1"/>
+              <a:t>scene_root</a:t>
+            </a:r>
+            <a:r>
+              <a:rPr lang="pt-PT" dirty="0"/>
+              <a:t>’), </a:t>
+            </a:r>
+            <a:r>
+              <a:rPr lang="pt-PT" dirty="0" err="1"/>
+              <a:t>Child</a:t>
+            </a:r>
+            <a:r>
+              <a:rPr lang="pt-PT" dirty="0"/>
+              <a:t> Nodes, 3D </a:t>
+            </a:r>
+            <a:r>
+              <a:rPr lang="pt-PT" dirty="0" err="1"/>
+              <a:t>Models</a:t>
+            </a:r>
+            <a:r>
+              <a:rPr lang="pt-PT" dirty="0"/>
+              <a:t>, </a:t>
+            </a:r>
+            <a:r>
+              <a:rPr lang="pt-PT" dirty="0" err="1"/>
+              <a:t>Positioning</a:t>
+            </a:r>
+            <a:r>
+              <a:rPr lang="pt-PT" dirty="0"/>
+              <a:t> and </a:t>
+            </a:r>
+            <a:r>
+              <a:rPr lang="pt-PT" dirty="0" err="1"/>
+              <a:t>Transforming</a:t>
+            </a:r>
+            <a:r>
+              <a:rPr lang="pt-PT" dirty="0"/>
+              <a:t>, </a:t>
+            </a:r>
+            <a:r>
+              <a:rPr lang="pt-PT" dirty="0" err="1"/>
+              <a:t>Renderer</a:t>
+            </a:r>
+            <a:r>
+              <a:rPr lang="pt-PT" dirty="0"/>
+              <a:t> and </a:t>
+            </a:r>
+            <a:r>
+              <a:rPr lang="pt-PT" dirty="0" err="1"/>
+              <a:t>Scene</a:t>
+            </a:r>
+            <a:r>
+              <a:rPr lang="pt-PT" dirty="0"/>
+              <a:t>, </a:t>
+            </a:r>
+            <a:r>
+              <a:rPr lang="pt-PT" dirty="0" err="1"/>
+              <a:t>Events</a:t>
+            </a:r>
+            <a:r>
+              <a:rPr lang="pt-PT" dirty="0"/>
+              <a:t>.</a:t>
             </a:r>
           </a:p>
           <a:p>
@@ -5317,6 +5405,9 @@
             </a:r>
           </a:p>
           <a:p>
+            <a:endParaRPr lang="pt-PT" dirty="0"/>
+          </a:p>
+          <a:p>
             <a:r>
               <a:rPr lang="pt-PT" dirty="0" err="1"/>
               <a:t>How</a:t>
@@ -5483,29 +5574,52 @@
           <a:p>
             <a:r>
               <a:rPr lang="pt-PT" dirty="0" err="1"/>
-              <a:t>Which</a:t>
-            </a:r>
-            <a:r>
-              <a:rPr lang="pt-PT" dirty="0"/>
-              <a:t> light-</a:t>
-            </a:r>
-            <a:r>
-              <a:rPr lang="pt-PT" dirty="0" err="1"/>
-              <a:t>sources</a:t>
-            </a:r>
-            <a:r>
-              <a:rPr lang="pt-PT" dirty="0"/>
-              <a:t>?</a:t>
-            </a:r>
-          </a:p>
-          <a:p>
-            <a:r>
-              <a:rPr lang="pt-PT" dirty="0" err="1"/>
-              <a:t>Features</a:t>
-            </a:r>
-            <a:r>
-              <a:rPr lang="pt-PT" dirty="0"/>
-              <a:t>?</a:t>
+              <a:t>Directional</a:t>
+            </a:r>
+            <a:r>
+              <a:rPr lang="pt-PT" dirty="0"/>
+              <a:t> Light, </a:t>
+            </a:r>
+            <a:r>
+              <a:rPr lang="pt-PT" dirty="0" err="1"/>
+              <a:t>Point</a:t>
+            </a:r>
+            <a:r>
+              <a:rPr lang="pt-PT" dirty="0"/>
+              <a:t> Light;</a:t>
+            </a:r>
+          </a:p>
+          <a:p>
+            <a:endParaRPr lang="pt-PT" dirty="0"/>
+          </a:p>
+          <a:p>
+            <a:r>
+              <a:rPr lang="pt-PT" dirty="0"/>
+              <a:t>Color, </a:t>
+            </a:r>
+            <a:r>
+              <a:rPr lang="pt-PT" dirty="0" err="1"/>
+              <a:t>Position</a:t>
+            </a:r>
+            <a:r>
+              <a:rPr lang="pt-PT" dirty="0"/>
+              <a:t> and </a:t>
+            </a:r>
+            <a:r>
+              <a:rPr lang="pt-PT" dirty="0" err="1"/>
+              <a:t>Direction</a:t>
+            </a:r>
+            <a:r>
+              <a:rPr lang="pt-PT" dirty="0"/>
+              <a:t>, </a:t>
+            </a:r>
+            <a:r>
+              <a:rPr lang="pt-PT" dirty="0" err="1"/>
+              <a:t>Intensity</a:t>
+            </a:r>
+            <a:r>
+              <a:rPr lang="pt-PT" dirty="0"/>
+              <a:t>.</a:t>
             </a:r>
           </a:p>
         </p:txBody>
@@ -5657,15 +5771,7 @@
           <a:p>
             <a:r>
               <a:rPr lang="pt-PT" dirty="0" err="1"/>
-              <a:t>What</a:t>
-            </a:r>
-            <a:r>
-              <a:rPr lang="pt-PT" dirty="0"/>
-              <a:t> can </a:t>
-            </a:r>
-            <a:r>
-              <a:rPr lang="pt-PT" dirty="0" err="1"/>
-              <a:t>be</a:t>
+              <a:t>Camera</a:t>
             </a:r>
             <a:r>
               <a:rPr lang="pt-PT" dirty="0"/>
@@ -5673,54 +5779,9 @@
             </a:r>
             <a:r>
               <a:rPr lang="pt-PT" dirty="0" err="1"/>
-              <a:t>done</a:t>
-            </a:r>
-            <a:r>
-              <a:rPr lang="pt-PT" dirty="0"/>
-              <a:t> </a:t>
-            </a:r>
-            <a:r>
-              <a:rPr lang="pt-PT" dirty="0" err="1"/>
-              <a:t>with</a:t>
-            </a:r>
-            <a:r>
-              <a:rPr lang="pt-PT" dirty="0"/>
-              <a:t> </a:t>
-            </a:r>
-            <a:r>
-              <a:rPr lang="pt-PT" dirty="0" err="1"/>
-              <a:t>the</a:t>
-            </a:r>
-            <a:r>
-              <a:rPr lang="pt-PT" dirty="0"/>
-              <a:t> mouse?</a:t>
-            </a:r>
-          </a:p>
-          <a:p>
-            <a:r>
-              <a:rPr lang="pt-PT" dirty="0" err="1"/>
-              <a:t>With</a:t>
-            </a:r>
-            <a:r>
-              <a:rPr lang="pt-PT" dirty="0"/>
-              <a:t> </a:t>
-            </a:r>
-            <a:r>
-              <a:rPr lang="pt-PT" dirty="0" err="1"/>
-              <a:t>the</a:t>
-            </a:r>
-            <a:r>
-              <a:rPr lang="pt-PT" dirty="0"/>
-              <a:t> </a:t>
-            </a:r>
-            <a:r>
-              <a:rPr lang="pt-PT" dirty="0" err="1"/>
-              <a:t>keyboard</a:t>
-            </a:r>
-            <a:r>
-              <a:rPr lang="pt-PT" dirty="0"/>
-              <a:t>?</a:t>
-            </a:r>
+              <a:t>Movement</a:t>
+            </a:r>
+            <a:endParaRPr lang="pt-PT" dirty="0"/>
           </a:p>
         </p:txBody>
       </p:sp>
@@ -5876,6 +5937,9 @@
             <a:endParaRPr lang="pt-PT" dirty="0"/>
           </a:p>
           <a:p>
+            <a:endParaRPr lang="pt-PT" dirty="0"/>
+          </a:p>
+          <a:p>
             <a:r>
               <a:rPr lang="pt-PT" dirty="0" err="1"/>
               <a:t>Implementation</a:t>
@@ -5975,18 +6039,17 @@
           </a:p>
           <a:p>
             <a:r>
-              <a:rPr lang="pt-PT" dirty="0" err="1"/>
-              <a:t>Problems</a:t>
-            </a:r>
-            <a:r>
-              <a:rPr lang="pt-PT" dirty="0"/>
-              <a:t> / </a:t>
-            </a:r>
-            <a:r>
-              <a:rPr lang="pt-PT" dirty="0" err="1"/>
-              <a:t>difficulties</a:t>
-            </a:r>
-            <a:endParaRPr lang="pt-PT" dirty="0"/>
+              <a:rPr lang="pt-PT" dirty="0"/>
+              <a:t>Performance, User Input Handling, </a:t>
+            </a:r>
+            <a:r>
+              <a:rPr lang="pt-PT" dirty="0" err="1"/>
+              <a:t>Debugging</a:t>
+            </a:r>
+            <a:r>
+              <a:rPr lang="pt-PT" dirty="0"/>
+              <a:t>.</a:t>
+            </a:r>
           </a:p>
         </p:txBody>
       </p:sp>
